--- a/Gr3 - Canevas - CDC.pptx
+++ b/Gr3 - Canevas - CDC.pptx
@@ -9143,7 +9143,7 @@
                 <a:cs typeface="Open Sans"/>
                 <a:sym typeface="Open Sans"/>
               </a:rPr>
-              <a:t>Notre solution ciblera  ceux qui veulent s’informer sur les Jeux</a:t>
+              <a:t>Notre solution ciblera ceux qui veulent s’informer sur les Jeux</a:t>
             </a:r>
             <a:r>
               <a:rPr lang="fr" sz="700">
@@ -9167,7 +9167,7 @@
                 <a:cs typeface="Open Sans"/>
                 <a:sym typeface="Open Sans"/>
               </a:rPr>
-              <a:t>Olympiques, </a:t>
+              <a:t>Olympiques</a:t>
             </a:r>
             <a:r>
               <a:rPr lang="fr" sz="700">
@@ -9179,7 +9179,7 @@
                 <a:cs typeface="Open Sans"/>
                 <a:sym typeface="Open Sans"/>
               </a:rPr>
-              <a:t>des personnes ne connaissant que très peu ces compétitions, aux plus grands connaisseurs pour </a:t>
+              <a:t>, c’est-à-dire un seul type d’utilisateur. Mais cela ira des personnes ne connaissant que très peu ces compétitions, aux plus grands connaisseurs pour </a:t>
             </a:r>
             <a:r>
               <a:rPr lang="fr" sz="700">
@@ -9805,65 +9805,104 @@
             </a:endParaRPr>
           </a:p>
           <a:p>
-            <a:pPr indent="0" lvl="0" marL="0" marR="0" rtl="0" algn="l">
-              <a:lnSpc>
-                <a:spcPct val="100000"/>
-              </a:lnSpc>
-              <a:spcBef>
-                <a:spcPts val="0"/>
-              </a:spcBef>
-              <a:spcAft>
-                <a:spcPts val="0"/>
-              </a:spcAft>
-              <a:buClr>
-                <a:srgbClr val="000000"/>
-              </a:buClr>
-              <a:buSzPts val="800"/>
+            <a:pPr indent="0" lvl="0" marL="0" rtl="0" algn="just">
+              <a:lnSpc>
+                <a:spcPct val="115000"/>
+              </a:lnSpc>
+              <a:spcBef>
+                <a:spcPts val="0"/>
+              </a:spcBef>
+              <a:spcAft>
+                <a:spcPts val="0"/>
+              </a:spcAft>
+              <a:buClr>
+                <a:schemeClr val="dk1"/>
+              </a:buClr>
+              <a:buSzPts val="1100"/>
               <a:buFont typeface="Arial"/>
               <a:buNone/>
             </a:pPr>
             <a:r>
               <a:t/>
             </a:r>
-            <a:endParaRPr sz="800">
+            <a:endParaRPr b="1" sz="700">
               <a:solidFill>
-                <a:schemeClr val="accent1"/>
+                <a:schemeClr val="dk1"/>
               </a:solidFill>
-              <a:latin typeface="Open Sans"/>
-              <a:ea typeface="Open Sans"/>
-              <a:cs typeface="Open Sans"/>
-              <a:sym typeface="Open Sans"/>
             </a:endParaRPr>
           </a:p>
           <a:p>
-            <a:pPr indent="0" lvl="0" marL="0" marR="0" rtl="0" algn="l">
-              <a:lnSpc>
-                <a:spcPct val="100000"/>
-              </a:lnSpc>
-              <a:spcBef>
-                <a:spcPts val="0"/>
-              </a:spcBef>
-              <a:spcAft>
-                <a:spcPts val="0"/>
-              </a:spcAft>
-              <a:buClr>
-                <a:srgbClr val="000000"/>
-              </a:buClr>
-              <a:buSzPts val="800"/>
+            <a:pPr indent="0" lvl="0" marL="0" rtl="0" algn="just">
+              <a:lnSpc>
+                <a:spcPct val="115000"/>
+              </a:lnSpc>
+              <a:spcBef>
+                <a:spcPts val="0"/>
+              </a:spcBef>
+              <a:spcAft>
+                <a:spcPts val="0"/>
+              </a:spcAft>
+              <a:buClr>
+                <a:schemeClr val="dk1"/>
+              </a:buClr>
+              <a:buSzPts val="1100"/>
+              <a:buFont typeface="Arial"/>
+              <a:buNone/>
+            </a:pPr>
+            <a:r>
+              <a:rPr b="1" lang="fr" sz="700">
+                <a:solidFill>
+                  <a:schemeClr val="dk1"/>
+                </a:solidFill>
+              </a:rPr>
+              <a:t>Slogan : “Explorons les Jeux Olympiques différemment”.</a:t>
+            </a:r>
+            <a:br>
+              <a:rPr b="1" lang="fr" sz="700">
+                <a:solidFill>
+                  <a:schemeClr val="dk1"/>
+                </a:solidFill>
+              </a:rPr>
+            </a:br>
+            <a:r>
+              <a:rPr lang="fr" sz="700">
+                <a:solidFill>
+                  <a:schemeClr val="dk1"/>
+                </a:solidFill>
+              </a:rPr>
+              <a:t>(cf. explications du cahier des charges)</a:t>
+            </a:r>
+            <a:endParaRPr sz="700">
+              <a:solidFill>
+                <a:schemeClr val="dk1"/>
+              </a:solidFill>
+            </a:endParaRPr>
+          </a:p>
+          <a:p>
+            <a:pPr indent="0" lvl="0" marL="0" rtl="0" algn="just">
+              <a:lnSpc>
+                <a:spcPct val="115000"/>
+              </a:lnSpc>
+              <a:spcBef>
+                <a:spcPts val="0"/>
+              </a:spcBef>
+              <a:spcAft>
+                <a:spcPts val="0"/>
+              </a:spcAft>
+              <a:buClr>
+                <a:schemeClr val="dk1"/>
+              </a:buClr>
+              <a:buSzPts val="1100"/>
               <a:buFont typeface="Arial"/>
               <a:buNone/>
             </a:pPr>
             <a:r>
               <a:t/>
             </a:r>
-            <a:endParaRPr sz="800">
+            <a:endParaRPr b="1" i="1" sz="300">
               <a:solidFill>
-                <a:schemeClr val="accent1"/>
+                <a:schemeClr val="dk1"/>
               </a:solidFill>
-              <a:latin typeface="Open Sans"/>
-              <a:ea typeface="Open Sans"/>
-              <a:cs typeface="Open Sans"/>
-              <a:sym typeface="Open Sans"/>
             </a:endParaRPr>
           </a:p>
           <a:p>
@@ -10927,7 +10966,31 @@
                 <a:cs typeface="Open Sans"/>
                 <a:sym typeface="Open Sans"/>
               </a:rPr>
-              <a:t>Le site apportera notamment un éclairage sur le classement des médailles du CIO très critiqué en ce moment, pour essayer de mettre sur un pied d'égalité les différentes délégations, en proposant d’autres classements proposant chacun une représentativité, même si cela reste très subjectif.</a:t>
+              <a:t>Le site donnera notamment un éclairage sur le classement des médailles du CIO très critiqué en ce moment. On </a:t>
+            </a:r>
+            <a:r>
+              <a:rPr lang="fr" sz="700">
+                <a:solidFill>
+                  <a:schemeClr val="dk1"/>
+                </a:solidFill>
+                <a:latin typeface="Open Sans"/>
+                <a:ea typeface="Open Sans"/>
+                <a:cs typeface="Open Sans"/>
+                <a:sym typeface="Open Sans"/>
+              </a:rPr>
+              <a:t>essayerait</a:t>
+            </a:r>
+            <a:r>
+              <a:rPr lang="fr" sz="700">
+                <a:solidFill>
+                  <a:schemeClr val="dk1"/>
+                </a:solidFill>
+                <a:latin typeface="Open Sans"/>
+                <a:ea typeface="Open Sans"/>
+                <a:cs typeface="Open Sans"/>
+                <a:sym typeface="Open Sans"/>
+              </a:rPr>
+              <a:t> de mettre sur un même pied d'égalité les différentes délégations, en proposant d’autres classements, même si cela reste très subjectif.</a:t>
             </a:r>
             <a:endParaRPr sz="700">
               <a:solidFill>
@@ -11072,7 +11135,7 @@
             <a:r>
               <a:t/>
             </a:r>
-            <a:endParaRPr sz="700">
+            <a:endParaRPr sz="300">
               <a:solidFill>
                 <a:schemeClr val="accent5"/>
               </a:solidFill>
@@ -11110,7 +11173,7 @@
                 <a:cs typeface="Open Sans"/>
                 <a:sym typeface="Open Sans"/>
               </a:rPr>
-              <a:t>Nous allons utiliser certaines bases de données open sources tel que : </a:t>
+              <a:t>Nous allons utiliser certaines bases de données open sources telles que : </a:t>
             </a:r>
             <a:endParaRPr sz="700">
               <a:solidFill>
@@ -11215,7 +11278,32 @@
                 <a:cs typeface="Open Sans"/>
                 <a:sym typeface="Open Sans"/>
               </a:rPr>
-              <a:t>-Codes pays du CIO.</a:t>
+              <a:t>-</a:t>
+            </a:r>
+            <a:r>
+              <a:rPr lang="fr" sz="700" u="sng">
+                <a:solidFill>
+                  <a:schemeClr val="hlink"/>
+                </a:solidFill>
+                <a:latin typeface="Open Sans"/>
+                <a:ea typeface="Open Sans"/>
+                <a:cs typeface="Open Sans"/>
+                <a:sym typeface="Open Sans"/>
+                <a:hlinkClick r:id="rId4"/>
+              </a:rPr>
+              <a:t>https://www.data.gouv.fr/fr/datasets/winter-olympics-medals-nd/</a:t>
+            </a:r>
+            <a:r>
+              <a:rPr lang="fr" sz="700">
+                <a:solidFill>
+                  <a:schemeClr val="dk1"/>
+                </a:solidFill>
+                <a:latin typeface="Open Sans"/>
+                <a:ea typeface="Open Sans"/>
+                <a:cs typeface="Open Sans"/>
+                <a:sym typeface="Open Sans"/>
+              </a:rPr>
+              <a:t> Codes pays du CIO.</a:t>
             </a:r>
             <a:endParaRPr sz="700">
               <a:solidFill>
@@ -11246,7 +11334,64 @@
               <a:buNone/>
             </a:pPr>
             <a:r>
-              <a:t/>
+              <a:rPr lang="fr" sz="700">
+                <a:solidFill>
+                  <a:schemeClr val="dk1"/>
+                </a:solidFill>
+                <a:latin typeface="Open Sans"/>
+                <a:ea typeface="Open Sans"/>
+                <a:cs typeface="Open Sans"/>
+                <a:sym typeface="Open Sans"/>
+              </a:rPr>
+              <a:t>Et puis, nous allons </a:t>
+            </a:r>
+            <a:r>
+              <a:rPr lang="fr" sz="700">
+                <a:solidFill>
+                  <a:schemeClr val="dk1"/>
+                </a:solidFill>
+                <a:latin typeface="Open Sans"/>
+                <a:ea typeface="Open Sans"/>
+                <a:cs typeface="Open Sans"/>
+                <a:sym typeface="Open Sans"/>
+              </a:rPr>
+              <a:t>créer n</a:t>
+            </a:r>
+            <a:r>
+              <a:rPr lang="fr" sz="700">
+                <a:solidFill>
+                  <a:schemeClr val="dk1"/>
+                </a:solidFill>
+                <a:latin typeface="Open Sans"/>
+                <a:ea typeface="Open Sans"/>
+                <a:cs typeface="Open Sans"/>
+                <a:sym typeface="Open Sans"/>
+              </a:rPr>
+              <a:t>os propres jeux de données, sur les olympiades, sur les </a:t>
+            </a:r>
+            <a:r>
+              <a:rPr lang="fr" sz="700">
+                <a:solidFill>
+                  <a:schemeClr val="dk1"/>
+                </a:solidFill>
+                <a:latin typeface="Open Sans"/>
+                <a:ea typeface="Open Sans"/>
+                <a:cs typeface="Open Sans"/>
+                <a:sym typeface="Open Sans"/>
+              </a:rPr>
+              <a:t>records</a:t>
+            </a:r>
+            <a:r>
+              <a:rPr lang="fr" sz="700">
+                <a:solidFill>
+                  <a:schemeClr val="dk1"/>
+                </a:solidFill>
+                <a:latin typeface="Open Sans"/>
+                <a:ea typeface="Open Sans"/>
+                <a:cs typeface="Open Sans"/>
+                <a:sym typeface="Open Sans"/>
+              </a:rPr>
+              <a:t>,  afin de référencer les différentes informations que nous ne trouvons pas en export de jeux ou de base de données.</a:t>
             </a:r>
             <a:endParaRPr sz="700">
               <a:solidFill>
@@ -11286,7 +11431,7 @@
                 <a:cs typeface="Open Sans"/>
                 <a:sym typeface="Open Sans"/>
               </a:rPr>
-              <a:t>Et puis, nous allons </a:t>
+              <a:t>La proportion des données </a:t>
             </a:r>
             <a:r>
               <a:rPr lang="fr" sz="700">
@@ -11298,7 +11443,7 @@
                 <a:cs typeface="Open Sans"/>
                 <a:sym typeface="Open Sans"/>
               </a:rPr>
-              <a:t>créer n</a:t>
+              <a:t>créées</a:t>
             </a:r>
             <a:r>
               <a:rPr lang="fr" sz="700">
@@ -11310,31 +11455,7 @@
                 <a:cs typeface="Open Sans"/>
                 <a:sym typeface="Open Sans"/>
               </a:rPr>
-              <a:t>os propres jeux de données, sur les olympiades, sur les </a:t>
-            </a:r>
-            <a:r>
-              <a:rPr lang="fr" sz="700">
-                <a:solidFill>
-                  <a:schemeClr val="dk1"/>
-                </a:solidFill>
-                <a:latin typeface="Open Sans"/>
-                <a:ea typeface="Open Sans"/>
-                <a:cs typeface="Open Sans"/>
-                <a:sym typeface="Open Sans"/>
-              </a:rPr>
-              <a:t>records</a:t>
-            </a:r>
-            <a:r>
-              <a:rPr lang="fr" sz="700">
-                <a:solidFill>
-                  <a:schemeClr val="dk1"/>
-                </a:solidFill>
-                <a:latin typeface="Open Sans"/>
-                <a:ea typeface="Open Sans"/>
-                <a:cs typeface="Open Sans"/>
-                <a:sym typeface="Open Sans"/>
-              </a:rPr>
-              <a:t>,  afin de référencer les différentes informations que nous ne trouvons pas en export de jeux ou de base de données.</a:t>
+              <a:t> par nos moyens sera notée dans nos documents de travaux et sur le site, toutefois nous pouvons déjà dire qu’elle restera très peu importante.</a:t>
             </a:r>
             <a:endParaRPr sz="700">
               <a:solidFill>
@@ -11692,7 +11813,7 @@
           <p:nvPr/>
         </p:nvPicPr>
         <p:blipFill>
-          <a:blip r:embed="rId4">
+          <a:blip r:embed="rId5">
             <a:alphaModFix/>
           </a:blip>
           <a:stretch>
@@ -11720,7 +11841,7 @@
           <p:nvPr/>
         </p:nvPicPr>
         <p:blipFill rotWithShape="1">
-          <a:blip r:embed="rId5">
+          <a:blip r:embed="rId6">
             <a:alphaModFix/>
           </a:blip>
           <a:srcRect b="0" l="0" r="-3412" t="81190"/>
@@ -11813,7 +11934,7 @@
                 <a:solidFill>
                   <a:schemeClr val="hlink"/>
                 </a:solidFill>
-                <a:hlinkClick r:id="rId6"/>
+                <a:hlinkClick r:id="rId7"/>
               </a:rPr>
               <a:t>https://docs.google.com/document/d/1ERe1_XJ4d5Gw6MVYVtxrZkmkfCgbkfP6km3TpQoZ6qQ/edit?usp=sharing</a:t>
             </a:r>
@@ -11834,6 +11955,285 @@
 </file>
 
 <file path=ppt/theme/theme1.xml><?xml version="1.0" encoding="utf-8"?>
+<a:theme xmlns:a="http://schemas.openxmlformats.org/drawingml/2006/main" xmlns:r="http://schemas.openxmlformats.org/officeDocument/2006/relationships" name="Simple Light">
+  <a:themeElements>
+    <a:clrScheme name="Simple Light">
+      <a:dk1>
+        <a:srgbClr val="000000"/>
+      </a:dk1>
+      <a:lt1>
+        <a:srgbClr val="FFFFFF"/>
+      </a:lt1>
+      <a:dk2>
+        <a:srgbClr val="595959"/>
+      </a:dk2>
+      <a:lt2>
+        <a:srgbClr val="EEEEEE"/>
+      </a:lt2>
+      <a:accent1>
+        <a:srgbClr val="4285F4"/>
+      </a:accent1>
+      <a:accent2>
+        <a:srgbClr val="212121"/>
+      </a:accent2>
+      <a:accent3>
+        <a:srgbClr val="78909C"/>
+      </a:accent3>
+      <a:accent4>
+        <a:srgbClr val="FFAB40"/>
+      </a:accent4>
+      <a:accent5>
+        <a:srgbClr val="0097A7"/>
+      </a:accent5>
+      <a:accent6>
+        <a:srgbClr val="EEFF41"/>
+      </a:accent6>
+      <a:hlink>
+        <a:srgbClr val="0097A7"/>
+      </a:hlink>
+      <a:folHlink>
+        <a:srgbClr val="0097A7"/>
+      </a:folHlink>
+    </a:clrScheme>
+    <a:fontScheme name="Office">
+      <a:majorFont>
+        <a:latin typeface="Arial"/>
+        <a:ea typeface=""/>
+        <a:cs typeface=""/>
+        <a:font script="Jpan" typeface="ＭＳ Ｐゴシック"/>
+        <a:font script="Hang" typeface="맑은 고딕"/>
+        <a:font script="Hans" typeface="宋体"/>
+        <a:font script="Hant" typeface="新細明體"/>
+        <a:font script="Arab" typeface="Times New Roman"/>
+        <a:font script="Hebr" typeface="Times New Roman"/>
+        <a:font script="Thai" typeface="Angsana New"/>
+        <a:font script="Ethi" typeface="Nyala"/>
+        <a:font script="Beng" typeface="Vrinda"/>
+        <a:font script="Gujr" typeface="Shruti"/>
+        <a:font script="Khmr" typeface="MoolBoran"/>
+        <a:font script="Knda" typeface="Tunga"/>
+        <a:font script="Guru" typeface="Raavi"/>
+        <a:font script="Cans" typeface="Euphemia"/>
+        <a:font script="Cher" typeface="Plantagenet Cherokee"/>
+        <a:font script="Yiii" typeface="Microsoft Yi Baiti"/>
+        <a:font script="Tibt" typeface="Microsoft Himalaya"/>
+        <a:font script="Thaa" typeface="MV Boli"/>
+        <a:font script="Deva" typeface="Mangal"/>
+        <a:font script="Telu" typeface="Gautami"/>
+        <a:font script="Taml" typeface="Latha"/>
+        <a:font script="Syrc" typeface="Estrangelo Edessa"/>
+        <a:font script="Orya" typeface="Kalinga"/>
+        <a:font script="Mlym" typeface="Kartika"/>
+        <a:font script="Laoo" typeface="DokChampa"/>
+        <a:font script="Sinh" typeface="Iskoola Pota"/>
+        <a:font script="Mong" typeface="Mongolian Baiti"/>
+        <a:font script="Viet" typeface="Times New Roman"/>
+        <a:font script="Uigh" typeface="Microsoft Uighur"/>
+        <a:font script="Geor" typeface="Sylfaen"/>
+      </a:majorFont>
+      <a:minorFont>
+        <a:latin typeface="Arial"/>
+        <a:ea typeface=""/>
+        <a:cs typeface=""/>
+        <a:font script="Jpan" typeface="ＭＳ Ｐゴシック"/>
+        <a:font script="Hang" typeface="맑은 고딕"/>
+        <a:font script="Hans" typeface="宋体"/>
+        <a:font script="Hant" typeface="新細明體"/>
+        <a:font script="Arab" typeface="Arial"/>
+        <a:font script="Hebr" typeface="Arial"/>
+        <a:font script="Thai" typeface="Cordia New"/>
+        <a:font script="Ethi" typeface="Nyala"/>
+        <a:font script="Beng" typeface="Vrinda"/>
+        <a:font script="Gujr" typeface="Shruti"/>
+        <a:font script="Khmr" typeface="DaunPenh"/>
+        <a:font script="Knda" typeface="Tunga"/>
+        <a:font script="Guru" typeface="Raavi"/>
+        <a:font script="Cans" typeface="Euphemia"/>
+        <a:font script="Cher" typeface="Plantagenet Cherokee"/>
+        <a:font script="Yiii" typeface="Microsoft Yi Baiti"/>
+        <a:font script="Tibt" typeface="Microsoft Himalaya"/>
+        <a:font script="Thaa" typeface="MV Boli"/>
+        <a:font script="Deva" typeface="Mangal"/>
+        <a:font script="Telu" typeface="Gautami"/>
+        <a:font script="Taml" typeface="Latha"/>
+        <a:font script="Syrc" typeface="Estrangelo Edessa"/>
+        <a:font script="Orya" typeface="Kalinga"/>
+        <a:font script="Mlym" typeface="Kartika"/>
+        <a:font script="Laoo" typeface="DokChampa"/>
+        <a:font script="Sinh" typeface="Iskoola Pota"/>
+        <a:font script="Mong" typeface="Mongolian Baiti"/>
+        <a:font script="Viet" typeface="Arial"/>
+        <a:font script="Uigh" typeface="Microsoft Uighur"/>
+        <a:font script="Geor" typeface="Sylfaen"/>
+      </a:minorFont>
+    </a:fontScheme>
+    <a:fmtScheme name="Office">
+      <a:fillStyleLst>
+        <a:solidFill>
+          <a:schemeClr val="phClr"/>
+        </a:solidFill>
+        <a:gradFill rotWithShape="1">
+          <a:gsLst>
+            <a:gs pos="0">
+              <a:schemeClr val="phClr">
+                <a:tint val="50000"/>
+                <a:satMod val="300000"/>
+              </a:schemeClr>
+            </a:gs>
+            <a:gs pos="35000">
+              <a:schemeClr val="phClr">
+                <a:tint val="37000"/>
+                <a:satMod val="300000"/>
+              </a:schemeClr>
+            </a:gs>
+            <a:gs pos="100000">
+              <a:schemeClr val="phClr">
+                <a:tint val="15000"/>
+                <a:satMod val="350000"/>
+              </a:schemeClr>
+            </a:gs>
+          </a:gsLst>
+          <a:lin ang="16200000" scaled="1"/>
+        </a:gradFill>
+        <a:gradFill rotWithShape="1">
+          <a:gsLst>
+            <a:gs pos="0">
+              <a:schemeClr val="phClr">
+                <a:tint val="100000"/>
+                <a:shade val="100000"/>
+                <a:satMod val="130000"/>
+              </a:schemeClr>
+            </a:gs>
+            <a:gs pos="100000">
+              <a:schemeClr val="phClr">
+                <a:tint val="50000"/>
+                <a:shade val="100000"/>
+                <a:satMod val="350000"/>
+              </a:schemeClr>
+            </a:gs>
+          </a:gsLst>
+          <a:lin ang="16200000" scaled="0"/>
+        </a:gradFill>
+      </a:fillStyleLst>
+      <a:lnStyleLst>
+        <a:ln w="9525" cap="flat" cmpd="sng" algn="ctr">
+          <a:solidFill>
+            <a:schemeClr val="phClr">
+              <a:shade val="95000"/>
+              <a:satMod val="105000"/>
+            </a:schemeClr>
+          </a:solidFill>
+          <a:prstDash val="solid"/>
+        </a:ln>
+        <a:ln w="25400" cap="flat" cmpd="sng" algn="ctr">
+          <a:solidFill>
+            <a:schemeClr val="phClr"/>
+          </a:solidFill>
+          <a:prstDash val="solid"/>
+        </a:ln>
+        <a:ln w="38100" cap="flat" cmpd="sng" algn="ctr">
+          <a:solidFill>
+            <a:schemeClr val="phClr"/>
+          </a:solidFill>
+          <a:prstDash val="solid"/>
+        </a:ln>
+      </a:lnStyleLst>
+      <a:effectStyleLst>
+        <a:effectStyle>
+          <a:effectLst>
+            <a:outerShdw blurRad="40000" dist="20000" dir="5400000" rotWithShape="0">
+              <a:srgbClr val="000000">
+                <a:alpha val="38000"/>
+              </a:srgbClr>
+            </a:outerShdw>
+          </a:effectLst>
+        </a:effectStyle>
+        <a:effectStyle>
+          <a:effectLst>
+            <a:outerShdw blurRad="40000" dist="23000" dir="5400000" rotWithShape="0">
+              <a:srgbClr val="000000">
+                <a:alpha val="35000"/>
+              </a:srgbClr>
+            </a:outerShdw>
+          </a:effectLst>
+        </a:effectStyle>
+        <a:effectStyle>
+          <a:effectLst>
+            <a:outerShdw blurRad="40000" dist="23000" dir="5400000" rotWithShape="0">
+              <a:srgbClr val="000000">
+                <a:alpha val="35000"/>
+              </a:srgbClr>
+            </a:outerShdw>
+          </a:effectLst>
+          <a:scene3d>
+            <a:camera prst="orthographicFront">
+              <a:rot lat="0" lon="0" rev="0"/>
+            </a:camera>
+            <a:lightRig rig="threePt" dir="t">
+              <a:rot lat="0" lon="0" rev="1200000"/>
+            </a:lightRig>
+          </a:scene3d>
+          <a:sp3d>
+            <a:bevelT w="63500" h="25400"/>
+          </a:sp3d>
+        </a:effectStyle>
+      </a:effectStyleLst>
+      <a:bgFillStyleLst>
+        <a:solidFill>
+          <a:schemeClr val="phClr"/>
+        </a:solidFill>
+        <a:gradFill rotWithShape="1">
+          <a:gsLst>
+            <a:gs pos="0">
+              <a:schemeClr val="phClr">
+                <a:tint val="40000"/>
+                <a:satMod val="350000"/>
+              </a:schemeClr>
+            </a:gs>
+            <a:gs pos="40000">
+              <a:schemeClr val="phClr">
+                <a:tint val="45000"/>
+                <a:shade val="99000"/>
+                <a:satMod val="350000"/>
+              </a:schemeClr>
+            </a:gs>
+            <a:gs pos="100000">
+              <a:schemeClr val="phClr">
+                <a:shade val="20000"/>
+                <a:satMod val="255000"/>
+              </a:schemeClr>
+            </a:gs>
+          </a:gsLst>
+          <a:path path="circle">
+            <a:fillToRect l="50000" t="-80000" r="50000" b="180000"/>
+          </a:path>
+        </a:gradFill>
+        <a:gradFill rotWithShape="1">
+          <a:gsLst>
+            <a:gs pos="0">
+              <a:schemeClr val="phClr">
+                <a:tint val="80000"/>
+                <a:satMod val="300000"/>
+              </a:schemeClr>
+            </a:gs>
+            <a:gs pos="100000">
+              <a:schemeClr val="phClr">
+                <a:shade val="30000"/>
+                <a:satMod val="200000"/>
+              </a:schemeClr>
+            </a:gs>
+          </a:gsLst>
+          <a:path path="circle">
+            <a:fillToRect l="50000" t="50000" r="50000" b="50000"/>
+          </a:path>
+        </a:gradFill>
+      </a:bgFillStyleLst>
+    </a:fmtScheme>
+  </a:themeElements>
+</a:theme>
+</file>
+
+<file path=ppt/theme/theme2.xml><?xml version="1.0" encoding="utf-8"?>
 <a:theme xmlns:a="http://schemas.openxmlformats.org/drawingml/2006/main" xmlns:r="http://schemas.openxmlformats.org/officeDocument/2006/relationships">
   <a:themeElements>
     <a:clrScheme name="Default">
@@ -12110,283 +12510,4 @@
     </a:fmtScheme>
   </a:themeElements>
 </a:theme>
-</file>
-
-<file path=ppt/theme/theme2.xml><?xml version="1.0" encoding="utf-8"?>
-<a:theme xmlns:a="http://schemas.openxmlformats.org/drawingml/2006/main" xmlns:r="http://schemas.openxmlformats.org/officeDocument/2006/relationships" name="Simple Light">
-  <a:themeElements>
-    <a:clrScheme name="Simple Light">
-      <a:dk1>
-        <a:srgbClr val="000000"/>
-      </a:dk1>
-      <a:lt1>
-        <a:srgbClr val="FFFFFF"/>
-      </a:lt1>
-      <a:dk2>
-        <a:srgbClr val="595959"/>
-      </a:dk2>
-      <a:lt2>
-        <a:srgbClr val="EEEEEE"/>
-      </a:lt2>
-      <a:accent1>
-        <a:srgbClr val="4285F4"/>
-      </a:accent1>
-      <a:accent2>
-        <a:srgbClr val="212121"/>
-      </a:accent2>
-      <a:accent3>
-        <a:srgbClr val="78909C"/>
-      </a:accent3>
-      <a:accent4>
-        <a:srgbClr val="FFAB40"/>
-      </a:accent4>
-      <a:accent5>
-        <a:srgbClr val="0097A7"/>
-      </a:accent5>
-      <a:accent6>
-        <a:srgbClr val="EEFF41"/>
-      </a:accent6>
-      <a:hlink>
-        <a:srgbClr val="0097A7"/>
-      </a:hlink>
-      <a:folHlink>
-        <a:srgbClr val="0097A7"/>
-      </a:folHlink>
-    </a:clrScheme>
-    <a:fontScheme name="Office">
-      <a:majorFont>
-        <a:latin typeface="Arial"/>
-        <a:ea typeface=""/>
-        <a:cs typeface=""/>
-        <a:font script="Jpan" typeface="ＭＳ Ｐゴシック"/>
-        <a:font script="Hang" typeface="맑은 고딕"/>
-        <a:font script="Hans" typeface="宋体"/>
-        <a:font script="Hant" typeface="新細明體"/>
-        <a:font script="Arab" typeface="Times New Roman"/>
-        <a:font script="Hebr" typeface="Times New Roman"/>
-        <a:font script="Thai" typeface="Angsana New"/>
-        <a:font script="Ethi" typeface="Nyala"/>
-        <a:font script="Beng" typeface="Vrinda"/>
-        <a:font script="Gujr" typeface="Shruti"/>
-        <a:font script="Khmr" typeface="MoolBoran"/>
-        <a:font script="Knda" typeface="Tunga"/>
-        <a:font script="Guru" typeface="Raavi"/>
-        <a:font script="Cans" typeface="Euphemia"/>
-        <a:font script="Cher" typeface="Plantagenet Cherokee"/>
-        <a:font script="Yiii" typeface="Microsoft Yi Baiti"/>
-        <a:font script="Tibt" typeface="Microsoft Himalaya"/>
-        <a:font script="Thaa" typeface="MV Boli"/>
-        <a:font script="Deva" typeface="Mangal"/>
-        <a:font script="Telu" typeface="Gautami"/>
-        <a:font script="Taml" typeface="Latha"/>
-        <a:font script="Syrc" typeface="Estrangelo Edessa"/>
-        <a:font script="Orya" typeface="Kalinga"/>
-        <a:font script="Mlym" typeface="Kartika"/>
-        <a:font script="Laoo" typeface="DokChampa"/>
-        <a:font script="Sinh" typeface="Iskoola Pota"/>
-        <a:font script="Mong" typeface="Mongolian Baiti"/>
-        <a:font script="Viet" typeface="Times New Roman"/>
-        <a:font script="Uigh" typeface="Microsoft Uighur"/>
-        <a:font script="Geor" typeface="Sylfaen"/>
-      </a:majorFont>
-      <a:minorFont>
-        <a:latin typeface="Arial"/>
-        <a:ea typeface=""/>
-        <a:cs typeface=""/>
-        <a:font script="Jpan" typeface="ＭＳ Ｐゴシック"/>
-        <a:font script="Hang" typeface="맑은 고딕"/>
-        <a:font script="Hans" typeface="宋体"/>
-        <a:font script="Hant" typeface="新細明體"/>
-        <a:font script="Arab" typeface="Arial"/>
-        <a:font script="Hebr" typeface="Arial"/>
-        <a:font script="Thai" typeface="Cordia New"/>
-        <a:font script="Ethi" typeface="Nyala"/>
-        <a:font script="Beng" typeface="Vrinda"/>
-        <a:font script="Gujr" typeface="Shruti"/>
-        <a:font script="Khmr" typeface="DaunPenh"/>
-        <a:font script="Knda" typeface="Tunga"/>
-        <a:font script="Guru" typeface="Raavi"/>
-        <a:font script="Cans" typeface="Euphemia"/>
-        <a:font script="Cher" typeface="Plantagenet Cherokee"/>
-        <a:font script="Yiii" typeface="Microsoft Yi Baiti"/>
-        <a:font script="Tibt" typeface="Microsoft Himalaya"/>
-        <a:font script="Thaa" typeface="MV Boli"/>
-        <a:font script="Deva" typeface="Mangal"/>
-        <a:font script="Telu" typeface="Gautami"/>
-        <a:font script="Taml" typeface="Latha"/>
-        <a:font script="Syrc" typeface="Estrangelo Edessa"/>
-        <a:font script="Orya" typeface="Kalinga"/>
-        <a:font script="Mlym" typeface="Kartika"/>
-        <a:font script="Laoo" typeface="DokChampa"/>
-        <a:font script="Sinh" typeface="Iskoola Pota"/>
-        <a:font script="Mong" typeface="Mongolian Baiti"/>
-        <a:font script="Viet" typeface="Arial"/>
-        <a:font script="Uigh" typeface="Microsoft Uighur"/>
-        <a:font script="Geor" typeface="Sylfaen"/>
-      </a:minorFont>
-    </a:fontScheme>
-    <a:fmtScheme name="Office">
-      <a:fillStyleLst>
-        <a:solidFill>
-          <a:schemeClr val="phClr"/>
-        </a:solidFill>
-        <a:gradFill rotWithShape="1">
-          <a:gsLst>
-            <a:gs pos="0">
-              <a:schemeClr val="phClr">
-                <a:tint val="50000"/>
-                <a:satMod val="300000"/>
-              </a:schemeClr>
-            </a:gs>
-            <a:gs pos="35000">
-              <a:schemeClr val="phClr">
-                <a:tint val="37000"/>
-                <a:satMod val="300000"/>
-              </a:schemeClr>
-            </a:gs>
-            <a:gs pos="100000">
-              <a:schemeClr val="phClr">
-                <a:tint val="15000"/>
-                <a:satMod val="350000"/>
-              </a:schemeClr>
-            </a:gs>
-          </a:gsLst>
-          <a:lin ang="16200000" scaled="1"/>
-        </a:gradFill>
-        <a:gradFill rotWithShape="1">
-          <a:gsLst>
-            <a:gs pos="0">
-              <a:schemeClr val="phClr">
-                <a:tint val="100000"/>
-                <a:shade val="100000"/>
-                <a:satMod val="130000"/>
-              </a:schemeClr>
-            </a:gs>
-            <a:gs pos="100000">
-              <a:schemeClr val="phClr">
-                <a:tint val="50000"/>
-                <a:shade val="100000"/>
-                <a:satMod val="350000"/>
-              </a:schemeClr>
-            </a:gs>
-          </a:gsLst>
-          <a:lin ang="16200000" scaled="0"/>
-        </a:gradFill>
-      </a:fillStyleLst>
-      <a:lnStyleLst>
-        <a:ln w="9525" cap="flat" cmpd="sng" algn="ctr">
-          <a:solidFill>
-            <a:schemeClr val="phClr">
-              <a:shade val="95000"/>
-              <a:satMod val="105000"/>
-            </a:schemeClr>
-          </a:solidFill>
-          <a:prstDash val="solid"/>
-        </a:ln>
-        <a:ln w="25400" cap="flat" cmpd="sng" algn="ctr">
-          <a:solidFill>
-            <a:schemeClr val="phClr"/>
-          </a:solidFill>
-          <a:prstDash val="solid"/>
-        </a:ln>
-        <a:ln w="38100" cap="flat" cmpd="sng" algn="ctr">
-          <a:solidFill>
-            <a:schemeClr val="phClr"/>
-          </a:solidFill>
-          <a:prstDash val="solid"/>
-        </a:ln>
-      </a:lnStyleLst>
-      <a:effectStyleLst>
-        <a:effectStyle>
-          <a:effectLst>
-            <a:outerShdw blurRad="40000" dist="20000" dir="5400000" rotWithShape="0">
-              <a:srgbClr val="000000">
-                <a:alpha val="38000"/>
-              </a:srgbClr>
-            </a:outerShdw>
-          </a:effectLst>
-        </a:effectStyle>
-        <a:effectStyle>
-          <a:effectLst>
-            <a:outerShdw blurRad="40000" dist="23000" dir="5400000" rotWithShape="0">
-              <a:srgbClr val="000000">
-                <a:alpha val="35000"/>
-              </a:srgbClr>
-            </a:outerShdw>
-          </a:effectLst>
-        </a:effectStyle>
-        <a:effectStyle>
-          <a:effectLst>
-            <a:outerShdw blurRad="40000" dist="23000" dir="5400000" rotWithShape="0">
-              <a:srgbClr val="000000">
-                <a:alpha val="35000"/>
-              </a:srgbClr>
-            </a:outerShdw>
-          </a:effectLst>
-          <a:scene3d>
-            <a:camera prst="orthographicFront">
-              <a:rot lat="0" lon="0" rev="0"/>
-            </a:camera>
-            <a:lightRig rig="threePt" dir="t">
-              <a:rot lat="0" lon="0" rev="1200000"/>
-            </a:lightRig>
-          </a:scene3d>
-          <a:sp3d>
-            <a:bevelT w="63500" h="25400"/>
-          </a:sp3d>
-        </a:effectStyle>
-      </a:effectStyleLst>
-      <a:bgFillStyleLst>
-        <a:solidFill>
-          <a:schemeClr val="phClr"/>
-        </a:solidFill>
-        <a:gradFill rotWithShape="1">
-          <a:gsLst>
-            <a:gs pos="0">
-              <a:schemeClr val="phClr">
-                <a:tint val="40000"/>
-                <a:satMod val="350000"/>
-              </a:schemeClr>
-            </a:gs>
-            <a:gs pos="40000">
-              <a:schemeClr val="phClr">
-                <a:tint val="45000"/>
-                <a:shade val="99000"/>
-                <a:satMod val="350000"/>
-              </a:schemeClr>
-            </a:gs>
-            <a:gs pos="100000">
-              <a:schemeClr val="phClr">
-                <a:shade val="20000"/>
-                <a:satMod val="255000"/>
-              </a:schemeClr>
-            </a:gs>
-          </a:gsLst>
-          <a:path path="circle">
-            <a:fillToRect l="50000" t="-80000" r="50000" b="180000"/>
-          </a:path>
-        </a:gradFill>
-        <a:gradFill rotWithShape="1">
-          <a:gsLst>
-            <a:gs pos="0">
-              <a:schemeClr val="phClr">
-                <a:tint val="80000"/>
-                <a:satMod val="300000"/>
-              </a:schemeClr>
-            </a:gs>
-            <a:gs pos="100000">
-              <a:schemeClr val="phClr">
-                <a:shade val="30000"/>
-                <a:satMod val="200000"/>
-              </a:schemeClr>
-            </a:gs>
-          </a:gsLst>
-          <a:path path="circle">
-            <a:fillToRect l="50000" t="50000" r="50000" b="50000"/>
-          </a:path>
-        </a:gradFill>
-      </a:bgFillStyleLst>
-    </a:fmtScheme>
-  </a:themeElements>
-</a:theme>
 </file>